--- a/졸프 초안.pptx
+++ b/졸프 초안.pptx
@@ -108,6 +108,11 @@
       </a:defRPr>
     </a:lvl9pPr>
   </p:defaultTextStyle>
+  <p:extLst>
+    <p:ext uri="{EFAFB233-063F-42B5-8137-9DF3F51BA10A}">
+      <p15:sldGuideLst xmlns:p15="http://schemas.microsoft.com/office/powerpoint/2012/main"/>
+    </p:ext>
+  </p:extLst>
 </p:presentation>
 </file>
 
@@ -3687,6 +3692,174 @@
           </a:p>
         </p:txBody>
       </p:sp>
+      <p:sp>
+        <p:nvSpPr>
+          <p:cNvPr id="3" name="TextBox 2"/>
+          <p:cNvSpPr txBox="1"/>
+          <p:nvPr/>
+        </p:nvSpPr>
+        <p:spPr>
+          <a:xfrm>
+            <a:off x="814647" y="1604356"/>
+            <a:ext cx="184731" cy="369332"/>
+          </a:xfrm>
+          <a:prstGeom prst="rect">
+            <a:avLst/>
+          </a:prstGeom>
+          <a:noFill/>
+        </p:spPr>
+        <p:txBody>
+          <a:bodyPr wrap="none" rtlCol="0">
+            <a:spAutoFit/>
+          </a:bodyPr>
+          <a:lstStyle/>
+          <a:p>
+            <a:endParaRPr lang="ko-KR" altLang="en-US" dirty="0"/>
+          </a:p>
+        </p:txBody>
+      </p:sp>
+      <p:sp>
+        <p:nvSpPr>
+          <p:cNvPr id="5" name="TextBox 4"/>
+          <p:cNvSpPr txBox="1"/>
+          <p:nvPr/>
+        </p:nvSpPr>
+        <p:spPr>
+          <a:xfrm>
+            <a:off x="217714" y="1604356"/>
+            <a:ext cx="10008523" cy="2341025"/>
+          </a:xfrm>
+          <a:prstGeom prst="rect">
+            <a:avLst/>
+          </a:prstGeom>
+          <a:noFill/>
+        </p:spPr>
+        <p:txBody>
+          <a:bodyPr wrap="square" rtlCol="0">
+            <a:spAutoFit/>
+          </a:bodyPr>
+          <a:lstStyle/>
+          <a:p>
+            <a:pPr>
+              <a:lnSpc>
+                <a:spcPct val="150000"/>
+              </a:lnSpc>
+            </a:pPr>
+            <a:r>
+              <a:rPr lang="ko-KR" altLang="en-US" sz="2000" dirty="0"/>
+              <a:t> 차량이용자들이 주차를</a:t>
+            </a:r>
+            <a:r>
+              <a:rPr lang="ko-KR" altLang="en-US" sz="2000" dirty="0"/>
+              <a:t> </a:t>
+            </a:r>
+            <a:r>
+              <a:rPr lang="ko-KR" altLang="en-US" sz="2000" dirty="0"/>
+              <a:t>하기 위해서</a:t>
+            </a:r>
+            <a:r>
+              <a:rPr lang="ko-KR" altLang="en-US" sz="2000" dirty="0"/>
+              <a:t> </a:t>
+            </a:r>
+            <a:r>
+              <a:rPr lang="ko-KR" altLang="en-US" sz="2000" dirty="0"/>
+              <a:t>빈 주차 공간을 찾는 시간에 자기도 모르게 시간을</a:t>
+            </a:r>
+            <a:r>
+              <a:rPr lang="ko-KR" altLang="en-US" sz="2000" dirty="0"/>
+              <a:t> </a:t>
+            </a:r>
+            <a:r>
+              <a:rPr lang="ko-KR" altLang="en-US" sz="2000" dirty="0"/>
+              <a:t>소비하게 됩니다</a:t>
+            </a:r>
+            <a:r>
+              <a:rPr lang="en-US" altLang="ko-KR" sz="2000" dirty="0"/>
+              <a:t>.</a:t>
+            </a:r>
+            <a:r>
+              <a:rPr lang="ko-KR" altLang="en-US" sz="2000" dirty="0"/>
+              <a:t> </a:t>
+            </a:r>
+            <a:r>
+              <a:rPr lang="ko-KR" altLang="en-US" sz="2000" dirty="0"/>
+              <a:t>특히 주차공간의 상태가 혼잡할 경우 주차하기위한 공간을</a:t>
+            </a:r>
+            <a:r>
+              <a:rPr lang="ko-KR" altLang="en-US" sz="2000" dirty="0"/>
+              <a:t> </a:t>
+            </a:r>
+            <a:r>
+              <a:rPr lang="ko-KR" altLang="en-US" sz="2000" dirty="0"/>
+              <a:t>찾기 위해서</a:t>
+            </a:r>
+            <a:r>
+              <a:rPr lang="ko-KR" altLang="en-US" sz="2000" dirty="0"/>
+              <a:t> </a:t>
+            </a:r>
+            <a:r>
+              <a:rPr lang="ko-KR" altLang="en-US" sz="2000" dirty="0"/>
+              <a:t>이곳 저곳 돌아다니며</a:t>
+            </a:r>
+            <a:r>
+              <a:rPr lang="ko-KR" altLang="en-US" sz="2000" dirty="0"/>
+              <a:t> </a:t>
+            </a:r>
+            <a:r>
+              <a:rPr lang="ko-KR" altLang="en-US" sz="2000" dirty="0"/>
+              <a:t>탐색하게 됩니다</a:t>
+            </a:r>
+            <a:r>
+              <a:rPr lang="en-US" altLang="ko-KR" sz="2000" dirty="0"/>
+              <a:t>.</a:t>
+            </a:r>
+            <a:r>
+              <a:rPr lang="ko-KR" altLang="en-US" sz="2000" dirty="0"/>
+              <a:t> </a:t>
+            </a:r>
+            <a:r>
+              <a:rPr lang="ko-KR" altLang="en-US" sz="2000" dirty="0"/>
+              <a:t>이럴 때 어느 곳이</a:t>
+            </a:r>
+            <a:r>
+              <a:rPr lang="ko-KR" altLang="en-US" sz="2000" dirty="0"/>
+              <a:t> </a:t>
+            </a:r>
+            <a:r>
+              <a:rPr lang="ko-KR" altLang="en-US" sz="2000" dirty="0"/>
+              <a:t>비어 있는지</a:t>
+            </a:r>
+            <a:r>
+              <a:rPr lang="ko-KR" altLang="en-US" sz="2000" dirty="0"/>
+              <a:t> </a:t>
+            </a:r>
+            <a:r>
+              <a:rPr lang="ko-KR" altLang="en-US" sz="2000" dirty="0"/>
+              <a:t>바로 알 수 있다면 운전자는 보다 빠른 시간에 주차를 할 수 있을 것 입니다</a:t>
+            </a:r>
+            <a:r>
+              <a:rPr lang="en-US" altLang="ko-KR" sz="2000" dirty="0"/>
+              <a:t>.</a:t>
+            </a:r>
+            <a:r>
+              <a:rPr lang="ko-KR" altLang="en-US" sz="2000" dirty="0"/>
+              <a:t> </a:t>
+            </a:r>
+            <a:r>
+              <a:rPr lang="ko-KR" altLang="en-US" sz="2000" dirty="0"/>
+              <a:t>때문에 저희는 이러한 문제를 해결할 수 있는 프로젝트를 진행하게 되었습니다</a:t>
+            </a:r>
+            <a:r>
+              <a:rPr lang="en-US" altLang="ko-KR" sz="2000" dirty="0"/>
+              <a:t>.</a:t>
+            </a:r>
+            <a:r>
+              <a:rPr lang="ko-KR" altLang="en-US" sz="2000" dirty="0"/>
+              <a:t> </a:t>
+            </a:r>
+          </a:p>
+        </p:txBody>
+      </p:sp>
     </p:spTree>
     <p:extLst>
       <p:ext uri="{BB962C8B-B14F-4D97-AF65-F5344CB8AC3E}">
@@ -4162,6 +4335,127 @@
           <a:chExt cx="0" cy="0"/>
         </a:xfrm>
       </p:grpSpPr>
+      <p:sp>
+        <p:nvSpPr>
+          <p:cNvPr id="2" name="TextBox 1"/>
+          <p:cNvSpPr txBox="1"/>
+          <p:nvPr/>
+        </p:nvSpPr>
+        <p:spPr>
+          <a:xfrm>
+            <a:off x="217714" y="232229"/>
+            <a:ext cx="5689600" cy="830997"/>
+          </a:xfrm>
+          <a:prstGeom prst="rect">
+            <a:avLst/>
+          </a:prstGeom>
+          <a:noFill/>
+        </p:spPr>
+        <p:txBody>
+          <a:bodyPr wrap="square" rtlCol="0">
+            <a:spAutoFit/>
+          </a:bodyPr>
+          <a:lstStyle/>
+          <a:p>
+            <a:r>
+              <a:rPr lang="ko-KR" altLang="en-US" sz="4800" dirty="0" smtClean="0"/>
+              <a:t>관련 링크</a:t>
+            </a:r>
+            <a:endParaRPr lang="ko-KR" altLang="en-US" sz="4800" dirty="0"/>
+          </a:p>
+        </p:txBody>
+      </p:sp>
+      <p:sp>
+        <p:nvSpPr>
+          <p:cNvPr id="3" name="TextBox 2"/>
+          <p:cNvSpPr txBox="1"/>
+          <p:nvPr/>
+        </p:nvSpPr>
+        <p:spPr>
+          <a:xfrm>
+            <a:off x="217714" y="1288473"/>
+            <a:ext cx="9260378" cy="1754326"/>
+          </a:xfrm>
+          <a:prstGeom prst="rect">
+            <a:avLst/>
+          </a:prstGeom>
+          <a:noFill/>
+        </p:spPr>
+        <p:txBody>
+          <a:bodyPr wrap="square" rtlCol="0">
+            <a:spAutoFit/>
+          </a:bodyPr>
+          <a:lstStyle/>
+          <a:p>
+            <a:pPr marL="285750" indent="-285750">
+              <a:buFont typeface="Arial" panose="020B0604020202020204" pitchFamily="34" charset="0"/>
+              <a:buChar char="•"/>
+            </a:pPr>
+            <a:r>
+              <a:rPr lang="en-US" altLang="ko-KR" dirty="0">
+                <a:hlinkClick r:id="rId2"/>
+              </a:rPr>
+              <a:t>https://www.youtube.com/watch?v=Ll-DvNDwOV0</a:t>
+            </a:r>
+            <a:endParaRPr lang="en-US" altLang="ko-KR" dirty="0"/>
+          </a:p>
+          <a:p>
+            <a:pPr marL="285750" indent="-285750">
+              <a:buFont typeface="Arial" panose="020B0604020202020204" pitchFamily="34" charset="0"/>
+              <a:buChar char="•"/>
+            </a:pPr>
+            <a:r>
+              <a:rPr lang="en-US" altLang="ko-KR" dirty="0">
+                <a:hlinkClick r:id="rId3"/>
+              </a:rPr>
+              <a:t>https://www.youtube.com/watch?v=afp2YzHp1eY</a:t>
+            </a:r>
+            <a:endParaRPr lang="en-US" altLang="ko-KR" dirty="0"/>
+          </a:p>
+          <a:p>
+            <a:pPr marL="285750" indent="-285750">
+              <a:buFont typeface="Arial" panose="020B0604020202020204" pitchFamily="34" charset="0"/>
+              <a:buChar char="•"/>
+            </a:pPr>
+            <a:r>
+              <a:rPr lang="en-US" altLang="ko-KR" dirty="0">
+                <a:hlinkClick r:id="rId4"/>
+              </a:rPr>
+              <a:t>https://www.youtube.com/watch?v=GFBpa1CVKSs</a:t>
+            </a:r>
+            <a:endParaRPr lang="en-US" altLang="ko-KR" dirty="0"/>
+          </a:p>
+          <a:p>
+            <a:pPr marL="285750" indent="-285750">
+              <a:buFont typeface="Arial" panose="020B0604020202020204" pitchFamily="34" charset="0"/>
+              <a:buChar char="•"/>
+            </a:pPr>
+            <a:r>
+              <a:rPr lang="en-US" altLang="ko-KR" dirty="0">
+                <a:hlinkClick r:id="rId5"/>
+              </a:rPr>
+              <a:t>http://wscg.zcu.cz/wscg2014/Short/I19-full.pdf</a:t>
+            </a:r>
+            <a:endParaRPr lang="en-US" altLang="ko-KR" dirty="0"/>
+          </a:p>
+          <a:p>
+            <a:pPr marL="285750" indent="-285750">
+              <a:buFont typeface="Arial" panose="020B0604020202020204" pitchFamily="34" charset="0"/>
+              <a:buChar char="•"/>
+            </a:pPr>
+            <a:r>
+              <a:rPr lang="en-US" altLang="ko-KR" dirty="0">
+                <a:hlinkClick r:id="rId6"/>
+              </a:rPr>
+              <a:t>https://github.com/eladj/detectParking</a:t>
+            </a:r>
+            <a:endParaRPr lang="en-US" altLang="ko-KR" dirty="0"/>
+          </a:p>
+          <a:p>
+            <a:endParaRPr lang="ko-KR" altLang="en-US" dirty="0"/>
+          </a:p>
+        </p:txBody>
+      </p:sp>
     </p:spTree>
     <p:extLst>
       <p:ext uri="{BB962C8B-B14F-4D97-AF65-F5344CB8AC3E}">

--- a/졸프 초안.pptx
+++ b/졸프 초안.pptx
@@ -8,8 +8,10 @@
     <p:sldId id="256" r:id="rId2"/>
     <p:sldId id="257" r:id="rId3"/>
     <p:sldId id="258" r:id="rId4"/>
-    <p:sldId id="259" r:id="rId5"/>
-    <p:sldId id="260" r:id="rId6"/>
+    <p:sldId id="260" r:id="rId5"/>
+    <p:sldId id="263" r:id="rId6"/>
+    <p:sldId id="261" r:id="rId7"/>
+    <p:sldId id="259" r:id="rId8"/>
   </p:sldIdLst>
   <p:sldSz cx="12192000" cy="6858000"/>
   <p:notesSz cx="6858000" cy="9144000"/>
@@ -3468,8 +3470,8 @@
         </p:nvSpPr>
         <p:spPr>
           <a:xfrm>
-            <a:off x="512593" y="266218"/>
-            <a:ext cx="7176303" cy="830997"/>
+            <a:off x="512592" y="266218"/>
+            <a:ext cx="8909199" cy="830997"/>
           </a:xfrm>
           <a:prstGeom prst="rect">
             <a:avLst/>
@@ -3483,12 +3485,12 @@
           <a:lstStyle/>
           <a:p>
             <a:r>
-              <a:rPr lang="en-US" altLang="ko-KR" sz="4800" dirty="0" err="1" smtClean="0">
+              <a:rPr lang="en-US" altLang="ko-KR" sz="4800" dirty="0" smtClean="0">
                 <a:solidFill>
                   <a:srgbClr val="FFFF00"/>
                 </a:solidFill>
               </a:rPr>
-              <a:t>Hansei</a:t>
+              <a:t>Smart HS</a:t>
             </a:r>
             <a:r>
               <a:rPr lang="ko-KR" altLang="en-US" sz="4800" dirty="0" smtClean="0">
@@ -3506,6 +3508,14 @@
               </a:rPr>
               <a:t>Parking lot </a:t>
             </a:r>
+            <a:r>
+              <a:rPr lang="en-US" altLang="ko-KR" sz="4800" dirty="0" smtClean="0">
+                <a:solidFill>
+                  <a:srgbClr val="FFFF00"/>
+                </a:solidFill>
+              </a:rPr>
+              <a:t>Project</a:t>
+            </a:r>
             <a:endParaRPr lang="ko-KR" altLang="en-US" sz="4800" dirty="0">
               <a:solidFill>
                 <a:srgbClr val="FFFF00"/>
@@ -3522,7 +3532,7 @@
         </p:nvSpPr>
         <p:spPr>
           <a:xfrm>
-            <a:off x="8374742" y="1097215"/>
+            <a:off x="8467339" y="5923858"/>
             <a:ext cx="5225143" cy="369332"/>
           </a:xfrm>
           <a:prstGeom prst="rect">
@@ -3624,6 +3634,44 @@
           </a:prstGeom>
         </p:spPr>
       </p:pic>
+      <p:sp>
+        <p:nvSpPr>
+          <p:cNvPr id="2" name="TextBox 1"/>
+          <p:cNvSpPr txBox="1"/>
+          <p:nvPr/>
+        </p:nvSpPr>
+        <p:spPr>
+          <a:xfrm>
+            <a:off x="2453832" y="912549"/>
+            <a:ext cx="1400537" cy="369332"/>
+          </a:xfrm>
+          <a:prstGeom prst="rect">
+            <a:avLst/>
+          </a:prstGeom>
+          <a:noFill/>
+        </p:spPr>
+        <p:txBody>
+          <a:bodyPr wrap="square" rtlCol="0">
+            <a:spAutoFit/>
+          </a:bodyPr>
+          <a:lstStyle/>
+          <a:p>
+            <a:r>
+              <a:rPr lang="en-US" altLang="ko-KR" dirty="0" smtClean="0"/>
+              <a:t>(</a:t>
+            </a:r>
+            <a:r>
+              <a:rPr lang="en-US" altLang="ko-KR" dirty="0" err="1" smtClean="0"/>
+              <a:t>HanSei</a:t>
+            </a:r>
+            <a:r>
+              <a:rPr lang="en-US" altLang="ko-KR" dirty="0" smtClean="0"/>
+              <a:t>)</a:t>
+            </a:r>
+            <a:endParaRPr lang="ko-KR" altLang="en-US" dirty="0"/>
+          </a:p>
+        </p:txBody>
+      </p:sp>
     </p:spTree>
     <p:extLst>
       <p:ext uri="{BB962C8B-B14F-4D97-AF65-F5344CB8AC3E}">
@@ -3670,7 +3718,7 @@
         </p:nvSpPr>
         <p:spPr>
           <a:xfrm>
-            <a:off x="217714" y="232229"/>
+            <a:off x="7141029" y="0"/>
             <a:ext cx="5689600" cy="830997"/>
           </a:xfrm>
           <a:prstGeom prst="rect">
@@ -3747,119 +3795,78 @@
             </a:pPr>
             <a:r>
               <a:rPr lang="ko-KR" altLang="en-US" sz="2000" dirty="0"/>
-              <a:t> 차량이용자들이 주차를</a:t>
+              <a:t> 차량이용자들이 주차를 하기 위해서 빈 주차 공간을 찾는 시간에 자기도 모르게 시간을 소비하게 됩니다</a:t>
+            </a:r>
+            <a:r>
+              <a:rPr lang="en-US" altLang="ko-KR" sz="2000" dirty="0"/>
+              <a:t>.</a:t>
+            </a:r>
+            <a:r>
+              <a:rPr lang="ko-KR" altLang="en-US" sz="2000" dirty="0"/>
+              <a:t> 특히 주차공간의 상태가 혼잡할 경우 주차하기위한 공간을 찾기 위해서 이곳 저곳 돌아다니며 탐색하게 됩니다</a:t>
+            </a:r>
+            <a:r>
+              <a:rPr lang="en-US" altLang="ko-KR" sz="2000" dirty="0"/>
+              <a:t>.</a:t>
+            </a:r>
+            <a:r>
+              <a:rPr lang="ko-KR" altLang="en-US" sz="2000" dirty="0"/>
+              <a:t> 이럴 때 어느 곳이 비어 있는지 바로 알 수 있다면 운전자는 보다 빠른 시간에 주차를 할 수 있을 것 입니다</a:t>
+            </a:r>
+            <a:r>
+              <a:rPr lang="en-US" altLang="ko-KR" sz="2000" dirty="0"/>
+              <a:t>.</a:t>
+            </a:r>
+            <a:r>
+              <a:rPr lang="ko-KR" altLang="en-US" sz="2000" dirty="0"/>
+              <a:t> 때문에 저희는 이러한 문제를 해결할 수 있는 프로젝트를 진행하게 되었습니다</a:t>
+            </a:r>
+            <a:r>
+              <a:rPr lang="en-US" altLang="ko-KR" sz="2000" dirty="0"/>
+              <a:t>.</a:t>
             </a:r>
             <a:r>
               <a:rPr lang="ko-KR" altLang="en-US" sz="2000" dirty="0"/>
               <a:t> </a:t>
             </a:r>
-            <a:r>
-              <a:rPr lang="ko-KR" altLang="en-US" sz="2000" dirty="0"/>
-              <a:t>하기 위해서</a:t>
-            </a:r>
-            <a:r>
-              <a:rPr lang="ko-KR" altLang="en-US" sz="2000" dirty="0"/>
-              <a:t> </a:t>
-            </a:r>
-            <a:r>
-              <a:rPr lang="ko-KR" altLang="en-US" sz="2000" dirty="0"/>
-              <a:t>빈 주차 공간을 찾는 시간에 자기도 모르게 시간을</a:t>
-            </a:r>
-            <a:r>
-              <a:rPr lang="ko-KR" altLang="en-US" sz="2000" dirty="0"/>
-              <a:t> </a:t>
-            </a:r>
-            <a:r>
-              <a:rPr lang="ko-KR" altLang="en-US" sz="2000" dirty="0"/>
-              <a:t>소비하게 됩니다</a:t>
-            </a:r>
-            <a:r>
-              <a:rPr lang="en-US" altLang="ko-KR" sz="2000" dirty="0"/>
-              <a:t>.</a:t>
-            </a:r>
-            <a:r>
-              <a:rPr lang="ko-KR" altLang="en-US" sz="2000" dirty="0"/>
-              <a:t> </a:t>
-            </a:r>
-            <a:r>
-              <a:rPr lang="ko-KR" altLang="en-US" sz="2000" dirty="0"/>
-              <a:t>특히 주차공간의 상태가 혼잡할 경우 주차하기위한 공간을</a:t>
-            </a:r>
-            <a:r>
-              <a:rPr lang="ko-KR" altLang="en-US" sz="2000" dirty="0"/>
-              <a:t> </a:t>
-            </a:r>
-            <a:r>
-              <a:rPr lang="ko-KR" altLang="en-US" sz="2000" dirty="0"/>
-              <a:t>찾기 위해서</a:t>
-            </a:r>
-            <a:r>
-              <a:rPr lang="ko-KR" altLang="en-US" sz="2000" dirty="0"/>
-              <a:t> </a:t>
-            </a:r>
-            <a:r>
-              <a:rPr lang="ko-KR" altLang="en-US" sz="2000" dirty="0"/>
-              <a:t>이곳 저곳 돌아다니며</a:t>
-            </a:r>
-            <a:r>
-              <a:rPr lang="ko-KR" altLang="en-US" sz="2000" dirty="0"/>
-              <a:t> </a:t>
-            </a:r>
-            <a:r>
-              <a:rPr lang="ko-KR" altLang="en-US" sz="2000" dirty="0"/>
-              <a:t>탐색하게 됩니다</a:t>
-            </a:r>
-            <a:r>
-              <a:rPr lang="en-US" altLang="ko-KR" sz="2000" dirty="0"/>
-              <a:t>.</a:t>
-            </a:r>
-            <a:r>
-              <a:rPr lang="ko-KR" altLang="en-US" sz="2000" dirty="0"/>
-              <a:t> </a:t>
-            </a:r>
-            <a:r>
-              <a:rPr lang="ko-KR" altLang="en-US" sz="2000" dirty="0"/>
-              <a:t>이럴 때 어느 곳이</a:t>
-            </a:r>
-            <a:r>
-              <a:rPr lang="ko-KR" altLang="en-US" sz="2000" dirty="0"/>
-              <a:t> </a:t>
-            </a:r>
-            <a:r>
-              <a:rPr lang="ko-KR" altLang="en-US" sz="2000" dirty="0"/>
-              <a:t>비어 있는지</a:t>
-            </a:r>
-            <a:r>
-              <a:rPr lang="ko-KR" altLang="en-US" sz="2000" dirty="0"/>
-              <a:t> </a:t>
-            </a:r>
-            <a:r>
-              <a:rPr lang="ko-KR" altLang="en-US" sz="2000" dirty="0"/>
-              <a:t>바로 알 수 있다면 운전자는 보다 빠른 시간에 주차를 할 수 있을 것 입니다</a:t>
-            </a:r>
-            <a:r>
-              <a:rPr lang="en-US" altLang="ko-KR" sz="2000" dirty="0"/>
-              <a:t>.</a:t>
-            </a:r>
-            <a:r>
-              <a:rPr lang="ko-KR" altLang="en-US" sz="2000" dirty="0"/>
-              <a:t> </a:t>
-            </a:r>
-            <a:r>
-              <a:rPr lang="ko-KR" altLang="en-US" sz="2000" dirty="0"/>
-              <a:t>때문에 저희는 이러한 문제를 해결할 수 있는 프로젝트를 진행하게 되었습니다</a:t>
-            </a:r>
-            <a:r>
-              <a:rPr lang="en-US" altLang="ko-KR" sz="2000" dirty="0"/>
-              <a:t>.</a:t>
-            </a:r>
-            <a:r>
-              <a:rPr lang="ko-KR" altLang="en-US" sz="2000" dirty="0"/>
-              <a:t> </a:t>
-            </a:r>
-          </a:p>
-        </p:txBody>
-      </p:sp>
+          </a:p>
+        </p:txBody>
+      </p:sp>
+      <p:cxnSp>
+        <p:nvCxnSpPr>
+          <p:cNvPr id="6" name="직선 연결선 5"/>
+          <p:cNvCxnSpPr/>
+          <p:nvPr/>
+        </p:nvCxnSpPr>
+        <p:spPr>
+          <a:xfrm>
+            <a:off x="7257143" y="830997"/>
+            <a:ext cx="4064000" cy="0"/>
+          </a:xfrm>
+          <a:prstGeom prst="line">
+            <a:avLst/>
+          </a:prstGeom>
+          <a:ln w="82550">
+            <a:solidFill>
+              <a:srgbClr val="353537"/>
+            </a:solidFill>
+          </a:ln>
+        </p:spPr>
+        <p:style>
+          <a:lnRef idx="1">
+            <a:schemeClr val="dk1"/>
+          </a:lnRef>
+          <a:fillRef idx="0">
+            <a:schemeClr val="dk1"/>
+          </a:fillRef>
+          <a:effectRef idx="0">
+            <a:schemeClr val="dk1"/>
+          </a:effectRef>
+          <a:fontRef idx="minor">
+            <a:schemeClr val="tx1"/>
+          </a:fontRef>
+        </p:style>
+      </p:cxnSp>
     </p:spTree>
     <p:extLst>
       <p:ext uri="{BB962C8B-B14F-4D97-AF65-F5344CB8AC3E}">
@@ -4297,6 +4304,109 @@
           </a:p>
         </p:txBody>
       </p:sp>
+      <p:sp>
+        <p:nvSpPr>
+          <p:cNvPr id="4" name="TextBox 3"/>
+          <p:cNvSpPr txBox="1"/>
+          <p:nvPr/>
+        </p:nvSpPr>
+        <p:spPr>
+          <a:xfrm>
+            <a:off x="7906599" y="-69448"/>
+            <a:ext cx="3865946" cy="830997"/>
+          </a:xfrm>
+          <a:prstGeom prst="rect">
+            <a:avLst/>
+          </a:prstGeom>
+          <a:noFill/>
+        </p:spPr>
+        <p:txBody>
+          <a:bodyPr wrap="square" rtlCol="0">
+            <a:spAutoFit/>
+          </a:bodyPr>
+          <a:lstStyle/>
+          <a:p>
+            <a:r>
+              <a:rPr lang="ko-KR" altLang="en-US" sz="4800" dirty="0" smtClean="0"/>
+              <a:t>전체 구성도</a:t>
+            </a:r>
+            <a:endParaRPr lang="ko-KR" altLang="en-US" sz="4800" dirty="0"/>
+          </a:p>
+        </p:txBody>
+      </p:sp>
+      <p:cxnSp>
+        <p:nvCxnSpPr>
+          <p:cNvPr id="7" name="직선 연결선 6"/>
+          <p:cNvCxnSpPr/>
+          <p:nvPr/>
+        </p:nvCxnSpPr>
+        <p:spPr>
+          <a:xfrm>
+            <a:off x="8099706" y="761549"/>
+            <a:ext cx="3192408" cy="0"/>
+          </a:xfrm>
+          <a:prstGeom prst="line">
+            <a:avLst/>
+          </a:prstGeom>
+          <a:ln w="82550">
+            <a:solidFill>
+              <a:srgbClr val="353537"/>
+            </a:solidFill>
+          </a:ln>
+        </p:spPr>
+        <p:style>
+          <a:lnRef idx="1">
+            <a:schemeClr val="dk1"/>
+          </a:lnRef>
+          <a:fillRef idx="0">
+            <a:schemeClr val="dk1"/>
+          </a:fillRef>
+          <a:effectRef idx="0">
+            <a:schemeClr val="dk1"/>
+          </a:effectRef>
+          <a:fontRef idx="minor">
+            <a:schemeClr val="tx1"/>
+          </a:fontRef>
+        </p:style>
+      </p:cxnSp>
+      <p:sp>
+        <p:nvSpPr>
+          <p:cNvPr id="8" name="TextBox 7"/>
+          <p:cNvSpPr txBox="1"/>
+          <p:nvPr/>
+        </p:nvSpPr>
+        <p:spPr>
+          <a:xfrm>
+            <a:off x="7362371" y="2669093"/>
+            <a:ext cx="2605315" cy="646331"/>
+          </a:xfrm>
+          <a:prstGeom prst="rect">
+            <a:avLst/>
+          </a:prstGeom>
+          <a:noFill/>
+        </p:spPr>
+        <p:txBody>
+          <a:bodyPr wrap="square" rtlCol="0">
+            <a:spAutoFit/>
+          </a:bodyPr>
+          <a:lstStyle/>
+          <a:p>
+            <a:r>
+              <a:rPr lang="ko-KR" altLang="en-US" dirty="0" smtClean="0"/>
+              <a:t>요청 </a:t>
+            </a:r>
+            <a:r>
+              <a:rPr lang="ko-KR" altLang="en-US" dirty="0" err="1" smtClean="0"/>
+              <a:t>할때마다</a:t>
+            </a:r>
+            <a:r>
+              <a:rPr lang="ko-KR" altLang="en-US" dirty="0" smtClean="0"/>
+              <a:t> 캡처하여 주차장 이미지 전송</a:t>
+            </a:r>
+            <a:endParaRPr lang="ko-KR" altLang="en-US" dirty="0"/>
+          </a:p>
+        </p:txBody>
+      </p:sp>
     </p:spTree>
     <p:extLst>
       <p:ext uri="{BB962C8B-B14F-4D97-AF65-F5344CB8AC3E}">
@@ -4337,14 +4447,81 @@
       </p:grpSpPr>
       <p:sp>
         <p:nvSpPr>
-          <p:cNvPr id="2" name="TextBox 1"/>
+          <p:cNvPr id="12" name="오른쪽 화살표 11"/>
+          <p:cNvSpPr/>
+          <p:nvPr/>
+        </p:nvSpPr>
+        <p:spPr>
+          <a:xfrm>
+            <a:off x="4796322" y="3880628"/>
+            <a:ext cx="2239219" cy="957942"/>
+          </a:xfrm>
+          <a:prstGeom prst="rightArrow">
+            <a:avLst/>
+          </a:prstGeom>
+          <a:ln>
+            <a:noFill/>
+          </a:ln>
+        </p:spPr>
+        <p:style>
+          <a:lnRef idx="2">
+            <a:schemeClr val="accent1">
+              <a:shade val="50000"/>
+            </a:schemeClr>
+          </a:lnRef>
+          <a:fillRef idx="1">
+            <a:schemeClr val="accent1"/>
+          </a:fillRef>
+          <a:effectRef idx="0">
+            <a:schemeClr val="accent1"/>
+          </a:effectRef>
+          <a:fontRef idx="minor">
+            <a:schemeClr val="lt1"/>
+          </a:fontRef>
+        </p:style>
+        <p:txBody>
+          <a:bodyPr rtlCol="0" anchor="ctr"/>
+          <a:lstStyle/>
+          <a:p>
+            <a:pPr algn="ctr"/>
+            <a:endParaRPr lang="ko-KR" altLang="en-US"/>
+          </a:p>
+        </p:txBody>
+      </p:sp>
+      <p:pic>
+        <p:nvPicPr>
+          <p:cNvPr id="2" name="그림 1"/>
+          <p:cNvPicPr>
+            <a:picLocks noChangeAspect="1"/>
+          </p:cNvPicPr>
+          <p:nvPr/>
+        </p:nvPicPr>
+        <p:blipFill>
+          <a:blip r:embed="rId2"/>
+          <a:stretch>
+            <a:fillRect/>
+          </a:stretch>
+        </p:blipFill>
+        <p:spPr>
+          <a:xfrm>
+            <a:off x="351517" y="3280229"/>
+            <a:ext cx="4260007" cy="2336800"/>
+          </a:xfrm>
+          <a:prstGeom prst="rect">
+            <a:avLst/>
+          </a:prstGeom>
+        </p:spPr>
+      </p:pic>
+      <p:sp>
+        <p:nvSpPr>
+          <p:cNvPr id="5" name="TextBox 4"/>
           <p:cNvSpPr txBox="1"/>
           <p:nvPr/>
         </p:nvSpPr>
         <p:spPr>
           <a:xfrm>
-            <a:off x="217714" y="232229"/>
-            <a:ext cx="5689600" cy="830997"/>
+            <a:off x="7097486" y="101600"/>
+            <a:ext cx="4804229" cy="830997"/>
           </a:xfrm>
           <a:prstGeom prst="rect">
             <a:avLst/>
@@ -4359,22 +4536,105 @@
           <a:p>
             <a:r>
               <a:rPr lang="ko-KR" altLang="en-US" sz="4800" dirty="0" smtClean="0"/>
-              <a:t>관련 링크</a:t>
+              <a:t>세부 개발 내용</a:t>
             </a:r>
             <a:endParaRPr lang="ko-KR" altLang="en-US" sz="4800" dirty="0"/>
           </a:p>
         </p:txBody>
       </p:sp>
-      <p:sp>
-        <p:nvSpPr>
-          <p:cNvPr id="3" name="TextBox 2"/>
+      <p:cxnSp>
+        <p:nvCxnSpPr>
+          <p:cNvPr id="6" name="직선 연결선 5"/>
+          <p:cNvCxnSpPr/>
+          <p:nvPr/>
+        </p:nvCxnSpPr>
+        <p:spPr>
+          <a:xfrm flipV="1">
+            <a:off x="7097486" y="1041003"/>
+            <a:ext cx="4194628" cy="33054"/>
+          </a:xfrm>
+          <a:prstGeom prst="line">
+            <a:avLst/>
+          </a:prstGeom>
+          <a:ln w="82550">
+            <a:solidFill>
+              <a:srgbClr val="353537"/>
+            </a:solidFill>
+          </a:ln>
+        </p:spPr>
+        <p:style>
+          <a:lnRef idx="1">
+            <a:schemeClr val="dk1"/>
+          </a:lnRef>
+          <a:fillRef idx="0">
+            <a:schemeClr val="dk1"/>
+          </a:fillRef>
+          <a:effectRef idx="0">
+            <a:schemeClr val="dk1"/>
+          </a:effectRef>
+          <a:fontRef idx="minor">
+            <a:schemeClr val="tx1"/>
+          </a:fontRef>
+        </p:style>
+      </p:cxnSp>
+      <p:pic>
+        <p:nvPicPr>
+          <p:cNvPr id="10" name="그림 9"/>
+          <p:cNvPicPr>
+            <a:picLocks noChangeAspect="1"/>
+          </p:cNvPicPr>
+          <p:nvPr/>
+        </p:nvPicPr>
+        <p:blipFill>
+          <a:blip r:embed="rId3"/>
+          <a:stretch>
+            <a:fillRect/>
+          </a:stretch>
+        </p:blipFill>
+        <p:spPr>
+          <a:xfrm>
+            <a:off x="4761396" y="1778000"/>
+            <a:ext cx="1869621" cy="1970055"/>
+          </a:xfrm>
+          <a:prstGeom prst="rect">
+            <a:avLst/>
+          </a:prstGeom>
+        </p:spPr>
+      </p:pic>
+      <p:pic>
+        <p:nvPicPr>
+          <p:cNvPr id="11" name="그림 10"/>
+          <p:cNvPicPr>
+            <a:picLocks noChangeAspect="1"/>
+          </p:cNvPicPr>
+          <p:nvPr/>
+        </p:nvPicPr>
+        <p:blipFill>
+          <a:blip r:embed="rId4"/>
+          <a:stretch>
+            <a:fillRect/>
+          </a:stretch>
+        </p:blipFill>
+        <p:spPr>
+          <a:xfrm>
+            <a:off x="7097486" y="3280229"/>
+            <a:ext cx="4028509" cy="2336800"/>
+          </a:xfrm>
+          <a:prstGeom prst="rect">
+            <a:avLst/>
+          </a:prstGeom>
+        </p:spPr>
+      </p:pic>
+      <p:sp>
+        <p:nvSpPr>
+          <p:cNvPr id="13" name="TextBox 12"/>
           <p:cNvSpPr txBox="1"/>
           <p:nvPr/>
         </p:nvSpPr>
         <p:spPr>
           <a:xfrm>
-            <a:off x="217714" y="1288473"/>
-            <a:ext cx="9260378" cy="1754326"/>
+            <a:off x="6215287" y="1220590"/>
+            <a:ext cx="5344689" cy="523220"/>
           </a:xfrm>
           <a:prstGeom prst="rect">
             <a:avLst/>
@@ -4387,79 +4647,72 @@
           </a:bodyPr>
           <a:lstStyle/>
           <a:p>
-            <a:pPr marL="285750" indent="-285750">
-              <a:buFont typeface="Arial" panose="020B0604020202020204" pitchFamily="34" charset="0"/>
-              <a:buChar char="•"/>
-            </a:pPr>
-            <a:r>
-              <a:rPr lang="en-US" altLang="ko-KR" dirty="0">
-                <a:hlinkClick r:id="rId2"/>
-              </a:rPr>
-              <a:t>https://www.youtube.com/watch?v=Ll-DvNDwOV0</a:t>
-            </a:r>
-            <a:endParaRPr lang="en-US" altLang="ko-KR" dirty="0"/>
-          </a:p>
-          <a:p>
-            <a:pPr marL="285750" indent="-285750">
-              <a:buFont typeface="Arial" panose="020B0604020202020204" pitchFamily="34" charset="0"/>
-              <a:buChar char="•"/>
-            </a:pPr>
-            <a:r>
-              <a:rPr lang="en-US" altLang="ko-KR" dirty="0">
-                <a:hlinkClick r:id="rId3"/>
-              </a:rPr>
-              <a:t>https://www.youtube.com/watch?v=afp2YzHp1eY</a:t>
-            </a:r>
-            <a:endParaRPr lang="en-US" altLang="ko-KR" dirty="0"/>
-          </a:p>
-          <a:p>
-            <a:pPr marL="285750" indent="-285750">
-              <a:buFont typeface="Arial" panose="020B0604020202020204" pitchFamily="34" charset="0"/>
-              <a:buChar char="•"/>
-            </a:pPr>
-            <a:r>
-              <a:rPr lang="en-US" altLang="ko-KR" dirty="0">
-                <a:hlinkClick r:id="rId4"/>
-              </a:rPr>
-              <a:t>https://www.youtube.com/watch?v=GFBpa1CVKSs</a:t>
-            </a:r>
-            <a:endParaRPr lang="en-US" altLang="ko-KR" dirty="0"/>
-          </a:p>
-          <a:p>
-            <a:pPr marL="285750" indent="-285750">
-              <a:buFont typeface="Arial" panose="020B0604020202020204" pitchFamily="34" charset="0"/>
-              <a:buChar char="•"/>
-            </a:pPr>
-            <a:r>
-              <a:rPr lang="en-US" altLang="ko-KR" dirty="0">
-                <a:hlinkClick r:id="rId5"/>
-              </a:rPr>
-              <a:t>http://wscg.zcu.cz/wscg2014/Short/I19-full.pdf</a:t>
-            </a:r>
-            <a:endParaRPr lang="en-US" altLang="ko-KR" dirty="0"/>
-          </a:p>
-          <a:p>
-            <a:pPr marL="285750" indent="-285750">
-              <a:buFont typeface="Arial" panose="020B0604020202020204" pitchFamily="34" charset="0"/>
-              <a:buChar char="•"/>
-            </a:pPr>
-            <a:r>
-              <a:rPr lang="en-US" altLang="ko-KR" dirty="0">
-                <a:hlinkClick r:id="rId6"/>
-              </a:rPr>
-              <a:t>https://github.com/eladj/detectParking</a:t>
-            </a:r>
-            <a:endParaRPr lang="en-US" altLang="ko-KR" dirty="0"/>
-          </a:p>
-          <a:p>
+            <a:r>
+              <a:rPr lang="en-US" altLang="ko-KR" sz="2800" dirty="0" smtClean="0"/>
+              <a:t>~  </a:t>
+            </a:r>
+            <a:r>
+              <a:rPr lang="ko-KR" altLang="en-US" sz="2800" dirty="0" smtClean="0"/>
+              <a:t>모형 주차장을 이용한 구현 </a:t>
+            </a:r>
+            <a:r>
+              <a:rPr lang="en-US" altLang="ko-KR" dirty="0" smtClean="0"/>
+              <a:t>~</a:t>
+            </a:r>
             <a:endParaRPr lang="ko-KR" altLang="en-US" dirty="0"/>
+          </a:p>
+        </p:txBody>
+      </p:sp>
+      <p:sp>
+        <p:nvSpPr>
+          <p:cNvPr id="14" name="TextBox 13"/>
+          <p:cNvSpPr txBox="1"/>
+          <p:nvPr/>
+        </p:nvSpPr>
+        <p:spPr>
+          <a:xfrm>
+            <a:off x="6517494" y="5884873"/>
+            <a:ext cx="4740273" cy="707886"/>
+          </a:xfrm>
+          <a:prstGeom prst="rect">
+            <a:avLst/>
+          </a:prstGeom>
+          <a:noFill/>
+        </p:spPr>
+        <p:txBody>
+          <a:bodyPr wrap="square" rtlCol="0">
+            <a:spAutoFit/>
+          </a:bodyPr>
+          <a:lstStyle/>
+          <a:p>
+            <a:r>
+              <a:rPr lang="ko-KR" altLang="en-US" sz="2000" dirty="0" smtClean="0"/>
+              <a:t>영상처리</a:t>
+            </a:r>
+            <a:r>
+              <a:rPr lang="en-US" altLang="ko-KR" sz="2000" dirty="0" smtClean="0"/>
+              <a:t>(Open CV)</a:t>
+            </a:r>
+            <a:r>
+              <a:rPr lang="ko-KR" altLang="en-US" sz="2000" dirty="0" smtClean="0"/>
+              <a:t>를 이용하여 구역에 </a:t>
+            </a:r>
+            <a:r>
+              <a:rPr lang="ko-KR" altLang="en-US" sz="2000" dirty="0" err="1" smtClean="0"/>
+              <a:t>일치정도를</a:t>
+            </a:r>
+            <a:r>
+              <a:rPr lang="ko-KR" altLang="en-US" sz="2000" dirty="0" smtClean="0"/>
+              <a:t> 비교하여 주차 여부 확인</a:t>
+            </a:r>
+            <a:endParaRPr lang="ko-KR" altLang="en-US" sz="2000" dirty="0"/>
           </a:p>
         </p:txBody>
       </p:sp>
     </p:spTree>
     <p:extLst>
       <p:ext uri="{BB962C8B-B14F-4D97-AF65-F5344CB8AC3E}">
-        <p14:creationId xmlns:p14="http://schemas.microsoft.com/office/powerpoint/2010/main" val="900788642"/>
+        <p14:creationId xmlns:p14="http://schemas.microsoft.com/office/powerpoint/2010/main" val="800235493"/>
       </p:ext>
     </p:extLst>
   </p:cSld>
@@ -4494,10 +4747,407 @@
           <a:chExt cx="0" cy="0"/>
         </a:xfrm>
       </p:grpSpPr>
+      <p:sp>
+        <p:nvSpPr>
+          <p:cNvPr id="5" name="TextBox 4"/>
+          <p:cNvSpPr txBox="1"/>
+          <p:nvPr/>
+        </p:nvSpPr>
+        <p:spPr>
+          <a:xfrm>
+            <a:off x="7097486" y="101600"/>
+            <a:ext cx="4804229" cy="830997"/>
+          </a:xfrm>
+          <a:prstGeom prst="rect">
+            <a:avLst/>
+          </a:prstGeom>
+          <a:noFill/>
+        </p:spPr>
+        <p:txBody>
+          <a:bodyPr wrap="square" rtlCol="0">
+            <a:spAutoFit/>
+          </a:bodyPr>
+          <a:lstStyle/>
+          <a:p>
+            <a:r>
+              <a:rPr lang="ko-KR" altLang="en-US" sz="4800" dirty="0" smtClean="0"/>
+              <a:t>세부 개발 내용</a:t>
+            </a:r>
+            <a:endParaRPr lang="ko-KR" altLang="en-US" sz="4800" dirty="0"/>
+          </a:p>
+        </p:txBody>
+      </p:sp>
+      <p:cxnSp>
+        <p:nvCxnSpPr>
+          <p:cNvPr id="6" name="직선 연결선 5"/>
+          <p:cNvCxnSpPr/>
+          <p:nvPr/>
+        </p:nvCxnSpPr>
+        <p:spPr>
+          <a:xfrm flipV="1">
+            <a:off x="7097486" y="1041003"/>
+            <a:ext cx="4194628" cy="33054"/>
+          </a:xfrm>
+          <a:prstGeom prst="line">
+            <a:avLst/>
+          </a:prstGeom>
+          <a:ln w="82550">
+            <a:solidFill>
+              <a:srgbClr val="353537"/>
+            </a:solidFill>
+          </a:ln>
+        </p:spPr>
+        <p:style>
+          <a:lnRef idx="1">
+            <a:schemeClr val="dk1"/>
+          </a:lnRef>
+          <a:fillRef idx="0">
+            <a:schemeClr val="dk1"/>
+          </a:fillRef>
+          <a:effectRef idx="0">
+            <a:schemeClr val="dk1"/>
+          </a:effectRef>
+          <a:fontRef idx="minor">
+            <a:schemeClr val="tx1"/>
+          </a:fontRef>
+        </p:style>
+      </p:cxnSp>
+      <p:pic>
+        <p:nvPicPr>
+          <p:cNvPr id="9" name="그림 8"/>
+          <p:cNvPicPr>
+            <a:picLocks noChangeAspect="1"/>
+          </p:cNvPicPr>
+          <p:nvPr/>
+        </p:nvPicPr>
+        <p:blipFill>
+          <a:blip r:embed="rId2"/>
+          <a:stretch>
+            <a:fillRect/>
+          </a:stretch>
+        </p:blipFill>
+        <p:spPr>
+          <a:xfrm>
+            <a:off x="744311" y="2346441"/>
+            <a:ext cx="4219575" cy="2832663"/>
+          </a:xfrm>
+          <a:prstGeom prst="rect">
+            <a:avLst/>
+          </a:prstGeom>
+        </p:spPr>
+      </p:pic>
+      <p:sp>
+        <p:nvSpPr>
+          <p:cNvPr id="3" name="TextBox 2"/>
+          <p:cNvSpPr txBox="1"/>
+          <p:nvPr/>
+        </p:nvSpPr>
+        <p:spPr>
+          <a:xfrm>
+            <a:off x="5994400" y="2346441"/>
+            <a:ext cx="4615543" cy="3344826"/>
+          </a:xfrm>
+          <a:prstGeom prst="rect">
+            <a:avLst/>
+          </a:prstGeom>
+          <a:noFill/>
+        </p:spPr>
+        <p:txBody>
+          <a:bodyPr wrap="square" rtlCol="0">
+            <a:spAutoFit/>
+          </a:bodyPr>
+          <a:lstStyle/>
+          <a:p>
+            <a:pPr>
+              <a:lnSpc>
+                <a:spcPct val="150000"/>
+              </a:lnSpc>
+            </a:pPr>
+            <a:r>
+              <a:rPr lang="ko-KR" altLang="en-US" sz="2400" dirty="0" smtClean="0"/>
+              <a:t>모형으로 완성 한 뒤 </a:t>
+            </a:r>
+            <a:endParaRPr lang="en-US" altLang="ko-KR" sz="2400" dirty="0" smtClean="0"/>
+          </a:p>
+          <a:p>
+            <a:pPr>
+              <a:lnSpc>
+                <a:spcPct val="150000"/>
+              </a:lnSpc>
+            </a:pPr>
+            <a:r>
+              <a:rPr lang="ko-KR" altLang="en-US" sz="2400" dirty="0" err="1" smtClean="0"/>
+              <a:t>영상비전관</a:t>
+            </a:r>
+            <a:r>
+              <a:rPr lang="ko-KR" altLang="en-US" sz="2400" dirty="0" smtClean="0"/>
+              <a:t> 주차장에 적용</a:t>
+            </a:r>
+            <a:endParaRPr lang="en-US" altLang="ko-KR" sz="2400" dirty="0" smtClean="0"/>
+          </a:p>
+          <a:p>
+            <a:pPr>
+              <a:lnSpc>
+                <a:spcPct val="150000"/>
+              </a:lnSpc>
+            </a:pPr>
+            <a:endParaRPr lang="en-US" altLang="ko-KR" sz="2400" dirty="0"/>
+          </a:p>
+          <a:p>
+            <a:pPr>
+              <a:lnSpc>
+                <a:spcPct val="150000"/>
+              </a:lnSpc>
+            </a:pPr>
+            <a:r>
+              <a:rPr lang="en-US" altLang="ko-KR" sz="2400" dirty="0" smtClean="0"/>
+              <a:t>~ </a:t>
+            </a:r>
+            <a:r>
+              <a:rPr lang="ko-KR" altLang="en-US" sz="2400" dirty="0" smtClean="0"/>
+              <a:t>예상 주차장 촬영 위치 </a:t>
+            </a:r>
+            <a:endParaRPr lang="en-US" altLang="ko-KR" sz="2400" dirty="0" smtClean="0"/>
+          </a:p>
+          <a:p>
+            <a:pPr>
+              <a:lnSpc>
+                <a:spcPct val="150000"/>
+              </a:lnSpc>
+            </a:pPr>
+            <a:r>
+              <a:rPr lang="en-US" altLang="ko-KR" sz="2400" dirty="0" smtClean="0"/>
+              <a:t>(</a:t>
+            </a:r>
+            <a:r>
+              <a:rPr lang="ko-KR" altLang="en-US" sz="2400" dirty="0" err="1" smtClean="0"/>
+              <a:t>라즈베리</a:t>
+            </a:r>
+            <a:r>
+              <a:rPr lang="ko-KR" altLang="en-US" sz="2400" dirty="0" smtClean="0"/>
+              <a:t> 파이 설치 위치</a:t>
+            </a:r>
+            <a:r>
+              <a:rPr lang="en-US" altLang="ko-KR" sz="2400" dirty="0" smtClean="0"/>
+              <a:t>) : </a:t>
+            </a:r>
+            <a:r>
+              <a:rPr lang="ko-KR" altLang="en-US" sz="2400" dirty="0" err="1" smtClean="0"/>
+              <a:t>영상비전관</a:t>
+            </a:r>
+            <a:r>
+              <a:rPr lang="ko-KR" altLang="en-US" sz="2400" dirty="0" smtClean="0"/>
+              <a:t> </a:t>
+            </a:r>
+            <a:r>
+              <a:rPr lang="en-US" altLang="ko-KR" sz="2400" dirty="0" smtClean="0"/>
+              <a:t>8F</a:t>
+            </a:r>
+            <a:endParaRPr lang="ko-KR" altLang="en-US" sz="2400" dirty="0"/>
+          </a:p>
+        </p:txBody>
+      </p:sp>
     </p:spTree>
     <p:extLst>
       <p:ext uri="{BB962C8B-B14F-4D97-AF65-F5344CB8AC3E}">
-        <p14:creationId xmlns:p14="http://schemas.microsoft.com/office/powerpoint/2010/main" val="800235493"/>
+        <p14:creationId xmlns:p14="http://schemas.microsoft.com/office/powerpoint/2010/main" val="4260801801"/>
+      </p:ext>
+    </p:extLst>
+  </p:cSld>
+  <p:clrMapOvr>
+    <a:masterClrMapping/>
+  </p:clrMapOvr>
+</p:sld>
+</file>
+
+<file path=ppt/slides/slide6.xml><?xml version="1.0" encoding="utf-8"?>
+<p:sld xmlns:a="http://schemas.openxmlformats.org/drawingml/2006/main" xmlns:r="http://schemas.openxmlformats.org/officeDocument/2006/relationships" xmlns:p="http://schemas.openxmlformats.org/presentationml/2006/main">
+  <p:cSld>
+    <p:bg>
+      <p:bgPr>
+        <a:solidFill>
+          <a:srgbClr val="F1EEF5"/>
+        </a:solidFill>
+        <a:effectLst/>
+      </p:bgPr>
+    </p:bg>
+    <p:spTree>
+      <p:nvGrpSpPr>
+        <p:cNvPr id="1" name=""/>
+        <p:cNvGrpSpPr/>
+        <p:nvPr/>
+      </p:nvGrpSpPr>
+      <p:grpSpPr>
+        <a:xfrm>
+          <a:off x="0" y="0"/>
+          <a:ext cx="0" cy="0"/>
+          <a:chOff x="0" y="0"/>
+          <a:chExt cx="0" cy="0"/>
+        </a:xfrm>
+      </p:grpSpPr>
+    </p:spTree>
+    <p:extLst>
+      <p:ext uri="{BB962C8B-B14F-4D97-AF65-F5344CB8AC3E}">
+        <p14:creationId xmlns:p14="http://schemas.microsoft.com/office/powerpoint/2010/main" val="2479019489"/>
+      </p:ext>
+    </p:extLst>
+  </p:cSld>
+  <p:clrMapOvr>
+    <a:masterClrMapping/>
+  </p:clrMapOvr>
+</p:sld>
+</file>
+
+<file path=ppt/slides/slide7.xml><?xml version="1.0" encoding="utf-8"?>
+<p:sld xmlns:a="http://schemas.openxmlformats.org/drawingml/2006/main" xmlns:r="http://schemas.openxmlformats.org/officeDocument/2006/relationships" xmlns:p="http://schemas.openxmlformats.org/presentationml/2006/main">
+  <p:cSld>
+    <p:bg>
+      <p:bgPr>
+        <a:solidFill>
+          <a:srgbClr val="F1EEF5"/>
+        </a:solidFill>
+        <a:effectLst/>
+      </p:bgPr>
+    </p:bg>
+    <p:spTree>
+      <p:nvGrpSpPr>
+        <p:cNvPr id="1" name=""/>
+        <p:cNvGrpSpPr/>
+        <p:nvPr/>
+      </p:nvGrpSpPr>
+      <p:grpSpPr>
+        <a:xfrm>
+          <a:off x="0" y="0"/>
+          <a:ext cx="0" cy="0"/>
+          <a:chOff x="0" y="0"/>
+          <a:chExt cx="0" cy="0"/>
+        </a:xfrm>
+      </p:grpSpPr>
+      <p:sp>
+        <p:nvSpPr>
+          <p:cNvPr id="2" name="TextBox 1"/>
+          <p:cNvSpPr txBox="1"/>
+          <p:nvPr/>
+        </p:nvSpPr>
+        <p:spPr>
+          <a:xfrm>
+            <a:off x="217714" y="232229"/>
+            <a:ext cx="5689600" cy="830997"/>
+          </a:xfrm>
+          <a:prstGeom prst="rect">
+            <a:avLst/>
+          </a:prstGeom>
+          <a:noFill/>
+        </p:spPr>
+        <p:txBody>
+          <a:bodyPr wrap="square" rtlCol="0">
+            <a:spAutoFit/>
+          </a:bodyPr>
+          <a:lstStyle/>
+          <a:p>
+            <a:r>
+              <a:rPr lang="ko-KR" altLang="en-US" sz="4800" dirty="0" smtClean="0"/>
+              <a:t>관련 링크</a:t>
+            </a:r>
+            <a:endParaRPr lang="ko-KR" altLang="en-US" sz="4800" dirty="0"/>
+          </a:p>
+        </p:txBody>
+      </p:sp>
+      <p:sp>
+        <p:nvSpPr>
+          <p:cNvPr id="3" name="TextBox 2"/>
+          <p:cNvSpPr txBox="1"/>
+          <p:nvPr/>
+        </p:nvSpPr>
+        <p:spPr>
+          <a:xfrm>
+            <a:off x="217714" y="1288473"/>
+            <a:ext cx="9260378" cy="1754326"/>
+          </a:xfrm>
+          <a:prstGeom prst="rect">
+            <a:avLst/>
+          </a:prstGeom>
+          <a:noFill/>
+        </p:spPr>
+        <p:txBody>
+          <a:bodyPr wrap="square" rtlCol="0">
+            <a:spAutoFit/>
+          </a:bodyPr>
+          <a:lstStyle/>
+          <a:p>
+            <a:pPr marL="285750" indent="-285750">
+              <a:buFont typeface="Arial" panose="020B0604020202020204" pitchFamily="34" charset="0"/>
+              <a:buChar char="•"/>
+            </a:pPr>
+            <a:r>
+              <a:rPr lang="en-US" altLang="ko-KR" dirty="0">
+                <a:hlinkClick r:id="rId2"/>
+              </a:rPr>
+              <a:t>https://www.youtube.com/watch?v=Ll-DvNDwOV0</a:t>
+            </a:r>
+            <a:endParaRPr lang="en-US" altLang="ko-KR" dirty="0"/>
+          </a:p>
+          <a:p>
+            <a:pPr marL="285750" indent="-285750">
+              <a:buFont typeface="Arial" panose="020B0604020202020204" pitchFamily="34" charset="0"/>
+              <a:buChar char="•"/>
+            </a:pPr>
+            <a:r>
+              <a:rPr lang="en-US" altLang="ko-KR" dirty="0">
+                <a:hlinkClick r:id="rId3"/>
+              </a:rPr>
+              <a:t>https://www.youtube.com/watch?v=afp2YzHp1eY</a:t>
+            </a:r>
+            <a:endParaRPr lang="en-US" altLang="ko-KR" dirty="0"/>
+          </a:p>
+          <a:p>
+            <a:pPr marL="285750" indent="-285750">
+              <a:buFont typeface="Arial" panose="020B0604020202020204" pitchFamily="34" charset="0"/>
+              <a:buChar char="•"/>
+            </a:pPr>
+            <a:r>
+              <a:rPr lang="en-US" altLang="ko-KR" dirty="0">
+                <a:hlinkClick r:id="rId4"/>
+              </a:rPr>
+              <a:t>https://www.youtube.com/watch?v=GFBpa1CVKSs</a:t>
+            </a:r>
+            <a:endParaRPr lang="en-US" altLang="ko-KR" dirty="0"/>
+          </a:p>
+          <a:p>
+            <a:pPr marL="285750" indent="-285750">
+              <a:buFont typeface="Arial" panose="020B0604020202020204" pitchFamily="34" charset="0"/>
+              <a:buChar char="•"/>
+            </a:pPr>
+            <a:r>
+              <a:rPr lang="en-US" altLang="ko-KR" dirty="0">
+                <a:hlinkClick r:id="rId5"/>
+              </a:rPr>
+              <a:t>http://wscg.zcu.cz/wscg2014/Short/I19-full.pdf</a:t>
+            </a:r>
+            <a:endParaRPr lang="en-US" altLang="ko-KR" dirty="0"/>
+          </a:p>
+          <a:p>
+            <a:pPr marL="285750" indent="-285750">
+              <a:buFont typeface="Arial" panose="020B0604020202020204" pitchFamily="34" charset="0"/>
+              <a:buChar char="•"/>
+            </a:pPr>
+            <a:r>
+              <a:rPr lang="en-US" altLang="ko-KR" dirty="0">
+                <a:hlinkClick r:id="rId6"/>
+              </a:rPr>
+              <a:t>https://github.com/eladj/detectParking</a:t>
+            </a:r>
+            <a:endParaRPr lang="en-US" altLang="ko-KR" dirty="0"/>
+          </a:p>
+          <a:p>
+            <a:endParaRPr lang="ko-KR" altLang="en-US" dirty="0"/>
+          </a:p>
+        </p:txBody>
+      </p:sp>
+    </p:spTree>
+    <p:extLst>
+      <p:ext uri="{BB962C8B-B14F-4D97-AF65-F5344CB8AC3E}">
+        <p14:creationId xmlns:p14="http://schemas.microsoft.com/office/powerpoint/2010/main" val="900788642"/>
       </p:ext>
     </p:extLst>
   </p:cSld>

--- a/졸프 초안.pptx
+++ b/졸프 초안.pptx
@@ -10,8 +10,9 @@
     <p:sldId id="258" r:id="rId4"/>
     <p:sldId id="260" r:id="rId5"/>
     <p:sldId id="263" r:id="rId6"/>
-    <p:sldId id="261" r:id="rId7"/>
-    <p:sldId id="259" r:id="rId8"/>
+    <p:sldId id="264" r:id="rId7"/>
+    <p:sldId id="261" r:id="rId8"/>
+    <p:sldId id="259" r:id="rId9"/>
   </p:sldIdLst>
   <p:sldSz cx="12192000" cy="6858000"/>
   <p:notesSz cx="6858000" cy="9144000"/>
@@ -3506,15 +3507,7 @@
                   <a:srgbClr val="FFFF00"/>
                 </a:solidFill>
               </a:rPr>
-              <a:t>Parking lot </a:t>
-            </a:r>
-            <a:r>
-              <a:rPr lang="en-US" altLang="ko-KR" sz="4800" dirty="0" smtClean="0">
-                <a:solidFill>
-                  <a:srgbClr val="FFFF00"/>
-                </a:solidFill>
-              </a:rPr>
-              <a:t>Project</a:t>
+              <a:t>Parking lot Project</a:t>
             </a:r>
             <a:endParaRPr lang="ko-KR" altLang="en-US" sz="4800" dirty="0">
               <a:solidFill>
@@ -4985,6 +4978,540 @@
           <a:chExt cx="0" cy="0"/>
         </a:xfrm>
       </p:grpSpPr>
+      <p:sp>
+        <p:nvSpPr>
+          <p:cNvPr id="5" name="TextBox 4"/>
+          <p:cNvSpPr txBox="1"/>
+          <p:nvPr/>
+        </p:nvSpPr>
+        <p:spPr>
+          <a:xfrm>
+            <a:off x="8451724" y="210006"/>
+            <a:ext cx="4804229" cy="830997"/>
+          </a:xfrm>
+          <a:prstGeom prst="rect">
+            <a:avLst/>
+          </a:prstGeom>
+          <a:noFill/>
+        </p:spPr>
+        <p:txBody>
+          <a:bodyPr wrap="square" rtlCol="0">
+            <a:spAutoFit/>
+          </a:bodyPr>
+          <a:lstStyle/>
+          <a:p>
+            <a:r>
+              <a:rPr lang="ko-KR" altLang="en-US" sz="4800" dirty="0" smtClean="0"/>
+              <a:t>개발 환경</a:t>
+            </a:r>
+            <a:endParaRPr lang="ko-KR" altLang="en-US" sz="4800" dirty="0"/>
+          </a:p>
+        </p:txBody>
+      </p:sp>
+      <p:cxnSp>
+        <p:nvCxnSpPr>
+          <p:cNvPr id="6" name="직선 연결선 5"/>
+          <p:cNvCxnSpPr/>
+          <p:nvPr/>
+        </p:nvCxnSpPr>
+        <p:spPr>
+          <a:xfrm>
+            <a:off x="8542116" y="1041003"/>
+            <a:ext cx="2749998" cy="0"/>
+          </a:xfrm>
+          <a:prstGeom prst="line">
+            <a:avLst/>
+          </a:prstGeom>
+          <a:ln w="82550">
+            <a:solidFill>
+              <a:srgbClr val="353537"/>
+            </a:solidFill>
+          </a:ln>
+        </p:spPr>
+        <p:style>
+          <a:lnRef idx="1">
+            <a:schemeClr val="dk1"/>
+          </a:lnRef>
+          <a:fillRef idx="0">
+            <a:schemeClr val="dk1"/>
+          </a:fillRef>
+          <a:effectRef idx="0">
+            <a:schemeClr val="dk1"/>
+          </a:effectRef>
+          <a:fontRef idx="minor">
+            <a:schemeClr val="tx1"/>
+          </a:fontRef>
+        </p:style>
+      </p:cxnSp>
+      <p:pic>
+        <p:nvPicPr>
+          <p:cNvPr id="7" name="그림 6"/>
+          <p:cNvPicPr>
+            <a:picLocks noChangeAspect="1"/>
+          </p:cNvPicPr>
+          <p:nvPr/>
+        </p:nvPicPr>
+        <p:blipFill>
+          <a:blip r:embed="rId2"/>
+          <a:stretch>
+            <a:fillRect/>
+          </a:stretch>
+        </p:blipFill>
+        <p:spPr>
+          <a:xfrm>
+            <a:off x="989325" y="4687285"/>
+            <a:ext cx="1869621" cy="1970055"/>
+          </a:xfrm>
+          <a:prstGeom prst="rect">
+            <a:avLst/>
+          </a:prstGeom>
+        </p:spPr>
+      </p:pic>
+      <p:pic>
+        <p:nvPicPr>
+          <p:cNvPr id="1026" name="Picture 2" descr="PyCharm Logo.svg">
+            <a:hlinkClick r:id="rId3"/>
+          </p:cNvPr>
+          <p:cNvPicPr>
+            <a:picLocks noChangeAspect="1" noChangeArrowheads="1"/>
+          </p:cNvPicPr>
+          <p:nvPr/>
+        </p:nvPicPr>
+        <p:blipFill>
+          <a:blip r:embed="rId4">
+            <a:extLst>
+              <a:ext uri="{28A0092B-C50C-407E-A947-70E740481C1C}">
+                <a14:useLocalDpi xmlns:a14="http://schemas.microsoft.com/office/drawing/2010/main" val="0"/>
+              </a:ext>
+            </a:extLst>
+          </a:blip>
+          <a:srcRect/>
+          <a:stretch>
+            <a:fillRect/>
+          </a:stretch>
+        </p:blipFill>
+        <p:spPr bwMode="auto">
+          <a:xfrm>
+            <a:off x="4547959" y="1410335"/>
+            <a:ext cx="1728586" cy="1728587"/>
+          </a:xfrm>
+          <a:prstGeom prst="rect">
+            <a:avLst/>
+          </a:prstGeom>
+          <a:noFill/>
+          <a:extLst>
+            <a:ext uri="{909E8E84-426E-40DD-AFC4-6F175D3DCCD1}">
+              <a14:hiddenFill xmlns:a14="http://schemas.microsoft.com/office/drawing/2010/main">
+                <a:solidFill>
+                  <a:srgbClr val="FFFFFF"/>
+                </a:solidFill>
+              </a14:hiddenFill>
+            </a:ext>
+          </a:extLst>
+        </p:spPr>
+      </p:pic>
+      <p:pic>
+        <p:nvPicPr>
+          <p:cNvPr id="4" name="그림 3"/>
+          <p:cNvPicPr>
+            <a:picLocks noChangeAspect="1"/>
+          </p:cNvPicPr>
+          <p:nvPr/>
+        </p:nvPicPr>
+        <p:blipFill>
+          <a:blip r:embed="rId5"/>
+          <a:stretch>
+            <a:fillRect/>
+          </a:stretch>
+        </p:blipFill>
+        <p:spPr>
+          <a:xfrm>
+            <a:off x="768403" y="1225669"/>
+            <a:ext cx="2256790" cy="2265503"/>
+          </a:xfrm>
+          <a:prstGeom prst="rect">
+            <a:avLst/>
+          </a:prstGeom>
+        </p:spPr>
+      </p:pic>
+      <p:sp>
+        <p:nvSpPr>
+          <p:cNvPr id="8" name="TextBox 7"/>
+          <p:cNvSpPr txBox="1"/>
+          <p:nvPr/>
+        </p:nvSpPr>
+        <p:spPr>
+          <a:xfrm>
+            <a:off x="281993" y="1041003"/>
+            <a:ext cx="2835798" cy="369332"/>
+          </a:xfrm>
+          <a:prstGeom prst="rect">
+            <a:avLst/>
+          </a:prstGeom>
+          <a:noFill/>
+        </p:spPr>
+        <p:txBody>
+          <a:bodyPr wrap="square" rtlCol="0">
+            <a:spAutoFit/>
+          </a:bodyPr>
+          <a:lstStyle/>
+          <a:p>
+            <a:r>
+              <a:rPr lang="ko-KR" altLang="en-US" dirty="0" smtClean="0"/>
+              <a:t>개발 언어</a:t>
+            </a:r>
+            <a:r>
+              <a:rPr lang="en-US" altLang="ko-KR" dirty="0" smtClean="0"/>
+              <a:t>:</a:t>
+            </a:r>
+            <a:endParaRPr lang="ko-KR" altLang="en-US" dirty="0"/>
+          </a:p>
+        </p:txBody>
+      </p:sp>
+      <p:sp>
+        <p:nvSpPr>
+          <p:cNvPr id="10" name="TextBox 9"/>
+          <p:cNvSpPr txBox="1"/>
+          <p:nvPr/>
+        </p:nvSpPr>
+        <p:spPr>
+          <a:xfrm>
+            <a:off x="768403" y="3356658"/>
+            <a:ext cx="2256790" cy="369332"/>
+          </a:xfrm>
+          <a:prstGeom prst="rect">
+            <a:avLst/>
+          </a:prstGeom>
+          <a:noFill/>
+        </p:spPr>
+        <p:txBody>
+          <a:bodyPr wrap="square" rtlCol="0">
+            <a:spAutoFit/>
+          </a:bodyPr>
+          <a:lstStyle/>
+          <a:p>
+            <a:r>
+              <a:rPr lang="en-US" altLang="ko-KR" dirty="0" smtClean="0"/>
+              <a:t>          Python</a:t>
+            </a:r>
+            <a:endParaRPr lang="ko-KR" altLang="en-US" dirty="0"/>
+          </a:p>
+        </p:txBody>
+      </p:sp>
+      <p:sp>
+        <p:nvSpPr>
+          <p:cNvPr id="11" name="TextBox 10"/>
+          <p:cNvSpPr txBox="1"/>
+          <p:nvPr/>
+        </p:nvSpPr>
+        <p:spPr>
+          <a:xfrm>
+            <a:off x="3839107" y="1041003"/>
+            <a:ext cx="1990846" cy="369332"/>
+          </a:xfrm>
+          <a:prstGeom prst="rect">
+            <a:avLst/>
+          </a:prstGeom>
+          <a:noFill/>
+        </p:spPr>
+        <p:txBody>
+          <a:bodyPr wrap="square" rtlCol="0">
+            <a:spAutoFit/>
+          </a:bodyPr>
+          <a:lstStyle/>
+          <a:p>
+            <a:r>
+              <a:rPr lang="ko-KR" altLang="en-US" dirty="0" smtClean="0"/>
+              <a:t>사용 </a:t>
+            </a:r>
+            <a:r>
+              <a:rPr lang="en-US" altLang="ko-KR" dirty="0" smtClean="0"/>
+              <a:t>IDE:</a:t>
+            </a:r>
+            <a:endParaRPr lang="ko-KR" altLang="en-US" dirty="0"/>
+          </a:p>
+        </p:txBody>
+      </p:sp>
+      <p:sp>
+        <p:nvSpPr>
+          <p:cNvPr id="12" name="TextBox 11"/>
+          <p:cNvSpPr txBox="1"/>
+          <p:nvPr/>
+        </p:nvSpPr>
+        <p:spPr>
+          <a:xfrm>
+            <a:off x="4834530" y="3356658"/>
+            <a:ext cx="2072760" cy="369332"/>
+          </a:xfrm>
+          <a:prstGeom prst="rect">
+            <a:avLst/>
+          </a:prstGeom>
+          <a:noFill/>
+        </p:spPr>
+        <p:txBody>
+          <a:bodyPr wrap="square" rtlCol="0">
+            <a:spAutoFit/>
+          </a:bodyPr>
+          <a:lstStyle/>
+          <a:p>
+            <a:r>
+              <a:rPr lang="en-US" altLang="ko-KR" dirty="0" err="1" smtClean="0"/>
+              <a:t>Pycharm</a:t>
+            </a:r>
+            <a:endParaRPr lang="ko-KR" altLang="en-US" dirty="0"/>
+          </a:p>
+        </p:txBody>
+      </p:sp>
+      <p:sp>
+        <p:nvSpPr>
+          <p:cNvPr id="13" name="TextBox 12"/>
+          <p:cNvSpPr txBox="1"/>
+          <p:nvPr/>
+        </p:nvSpPr>
+        <p:spPr>
+          <a:xfrm>
+            <a:off x="578733" y="4178461"/>
+            <a:ext cx="2280213" cy="369332"/>
+          </a:xfrm>
+          <a:prstGeom prst="rect">
+            <a:avLst/>
+          </a:prstGeom>
+          <a:noFill/>
+        </p:spPr>
+        <p:txBody>
+          <a:bodyPr wrap="square" rtlCol="0">
+            <a:spAutoFit/>
+          </a:bodyPr>
+          <a:lstStyle/>
+          <a:p>
+            <a:r>
+              <a:rPr lang="ko-KR" altLang="en-US" dirty="0" smtClean="0"/>
+              <a:t>주요 라이브러리</a:t>
+            </a:r>
+            <a:r>
+              <a:rPr lang="en-US" altLang="ko-KR" dirty="0" smtClean="0"/>
+              <a:t>:</a:t>
+            </a:r>
+            <a:endParaRPr lang="ko-KR" altLang="en-US" dirty="0"/>
+          </a:p>
+        </p:txBody>
+      </p:sp>
+      <p:pic>
+        <p:nvPicPr>
+          <p:cNvPr id="14" name="그림 13"/>
+          <p:cNvPicPr>
+            <a:picLocks noChangeAspect="1"/>
+          </p:cNvPicPr>
+          <p:nvPr/>
+        </p:nvPicPr>
+        <p:blipFill>
+          <a:blip r:embed="rId6"/>
+          <a:stretch>
+            <a:fillRect/>
+          </a:stretch>
+        </p:blipFill>
+        <p:spPr>
+          <a:xfrm>
+            <a:off x="3716802" y="4178461"/>
+            <a:ext cx="3390900" cy="2190750"/>
+          </a:xfrm>
+          <a:prstGeom prst="rect">
+            <a:avLst/>
+          </a:prstGeom>
+        </p:spPr>
+      </p:pic>
+      <p:sp>
+        <p:nvSpPr>
+          <p:cNvPr id="15" name="TextBox 14"/>
+          <p:cNvSpPr txBox="1"/>
+          <p:nvPr/>
+        </p:nvSpPr>
+        <p:spPr>
+          <a:xfrm>
+            <a:off x="3839107" y="4178461"/>
+            <a:ext cx="1346351" cy="369332"/>
+          </a:xfrm>
+          <a:prstGeom prst="rect">
+            <a:avLst/>
+          </a:prstGeom>
+          <a:noFill/>
+        </p:spPr>
+        <p:txBody>
+          <a:bodyPr wrap="square" rtlCol="0">
+            <a:spAutoFit/>
+          </a:bodyPr>
+          <a:lstStyle/>
+          <a:p>
+            <a:r>
+              <a:rPr lang="ko-KR" altLang="en-US" dirty="0" smtClean="0"/>
+              <a:t>하드웨어</a:t>
+            </a:r>
+            <a:r>
+              <a:rPr lang="en-US" altLang="ko-KR" dirty="0" smtClean="0"/>
+              <a:t>:</a:t>
+            </a:r>
+            <a:endParaRPr lang="ko-KR" altLang="en-US" dirty="0"/>
+          </a:p>
+        </p:txBody>
+      </p:sp>
+      <p:sp>
+        <p:nvSpPr>
+          <p:cNvPr id="16" name="TextBox 15"/>
+          <p:cNvSpPr txBox="1"/>
+          <p:nvPr/>
+        </p:nvSpPr>
+        <p:spPr>
+          <a:xfrm>
+            <a:off x="4512282" y="6309450"/>
+            <a:ext cx="2384384" cy="369332"/>
+          </a:xfrm>
+          <a:prstGeom prst="rect">
+            <a:avLst/>
+          </a:prstGeom>
+          <a:noFill/>
+        </p:spPr>
+        <p:txBody>
+          <a:bodyPr wrap="square" rtlCol="0">
+            <a:spAutoFit/>
+          </a:bodyPr>
+          <a:lstStyle/>
+          <a:p>
+            <a:r>
+              <a:rPr lang="ko-KR" altLang="en-US" err="1" smtClean="0"/>
+              <a:t>라즈베리</a:t>
+            </a:r>
+            <a:r>
+              <a:rPr lang="ko-KR" altLang="en-US" dirty="0" smtClean="0"/>
+              <a:t> 파이</a:t>
+            </a:r>
+            <a:endParaRPr lang="ko-KR" altLang="en-US" dirty="0"/>
+          </a:p>
+        </p:txBody>
+      </p:sp>
+      <p:pic>
+        <p:nvPicPr>
+          <p:cNvPr id="17" name="그림 16"/>
+          <p:cNvPicPr>
+            <a:picLocks noChangeAspect="1"/>
+          </p:cNvPicPr>
+          <p:nvPr/>
+        </p:nvPicPr>
+        <p:blipFill>
+          <a:blip r:embed="rId7"/>
+          <a:stretch>
+            <a:fillRect/>
+          </a:stretch>
+        </p:blipFill>
+        <p:spPr>
+          <a:xfrm>
+            <a:off x="7003533" y="4178461"/>
+            <a:ext cx="1538583" cy="1972738"/>
+          </a:xfrm>
+          <a:prstGeom prst="rect">
+            <a:avLst/>
+          </a:prstGeom>
+        </p:spPr>
+      </p:pic>
+      <p:sp>
+        <p:nvSpPr>
+          <p:cNvPr id="18" name="TextBox 17"/>
+          <p:cNvSpPr txBox="1"/>
+          <p:nvPr/>
+        </p:nvSpPr>
+        <p:spPr>
+          <a:xfrm>
+            <a:off x="7378287" y="6309450"/>
+            <a:ext cx="3062077" cy="369332"/>
+          </a:xfrm>
+          <a:prstGeom prst="rect">
+            <a:avLst/>
+          </a:prstGeom>
+          <a:noFill/>
+        </p:spPr>
+        <p:txBody>
+          <a:bodyPr wrap="square" rtlCol="0">
+            <a:spAutoFit/>
+          </a:bodyPr>
+          <a:lstStyle/>
+          <a:p>
+            <a:r>
+              <a:rPr lang="en-US" altLang="ko-KR" dirty="0" smtClean="0"/>
+              <a:t>OS) </a:t>
+            </a:r>
+            <a:r>
+              <a:rPr lang="en-US" altLang="ko-KR" dirty="0" err="1" smtClean="0"/>
+              <a:t>Raspbian</a:t>
+            </a:r>
+            <a:r>
+              <a:rPr lang="en-US" altLang="ko-KR" dirty="0" smtClean="0"/>
+              <a:t> or Ubuntu</a:t>
+            </a:r>
+            <a:endParaRPr lang="ko-KR" altLang="en-US" dirty="0"/>
+          </a:p>
+        </p:txBody>
+      </p:sp>
+      <p:pic>
+        <p:nvPicPr>
+          <p:cNvPr id="19" name="그림 18"/>
+          <p:cNvPicPr>
+            <a:picLocks noChangeAspect="1"/>
+          </p:cNvPicPr>
+          <p:nvPr/>
+        </p:nvPicPr>
+        <p:blipFill>
+          <a:blip r:embed="rId8"/>
+          <a:stretch>
+            <a:fillRect/>
+          </a:stretch>
+        </p:blipFill>
+        <p:spPr>
+          <a:xfrm>
+            <a:off x="8690986" y="4468067"/>
+            <a:ext cx="2452258" cy="1855902"/>
+          </a:xfrm>
+          <a:prstGeom prst="rect">
+            <a:avLst/>
+          </a:prstGeom>
+        </p:spPr>
+      </p:pic>
+    </p:spTree>
+    <p:extLst>
+      <p:ext uri="{BB962C8B-B14F-4D97-AF65-F5344CB8AC3E}">
+        <p14:creationId xmlns:p14="http://schemas.microsoft.com/office/powerpoint/2010/main" val="2877419585"/>
+      </p:ext>
+    </p:extLst>
+  </p:cSld>
+  <p:clrMapOvr>
+    <a:masterClrMapping/>
+  </p:clrMapOvr>
+</p:sld>
+</file>
+
+<file path=ppt/slides/slide7.xml><?xml version="1.0" encoding="utf-8"?>
+<p:sld xmlns:a="http://schemas.openxmlformats.org/drawingml/2006/main" xmlns:r="http://schemas.openxmlformats.org/officeDocument/2006/relationships" xmlns:p="http://schemas.openxmlformats.org/presentationml/2006/main">
+  <p:cSld>
+    <p:bg>
+      <p:bgPr>
+        <a:solidFill>
+          <a:srgbClr val="F1EEF5"/>
+        </a:solidFill>
+        <a:effectLst/>
+      </p:bgPr>
+    </p:bg>
+    <p:spTree>
+      <p:nvGrpSpPr>
+        <p:cNvPr id="1" name=""/>
+        <p:cNvGrpSpPr/>
+        <p:nvPr/>
+      </p:nvGrpSpPr>
+      <p:grpSpPr>
+        <a:xfrm>
+          <a:off x="0" y="0"/>
+          <a:ext cx="0" cy="0"/>
+          <a:chOff x="0" y="0"/>
+          <a:chExt cx="0" cy="0"/>
+        </a:xfrm>
+      </p:grpSpPr>
     </p:spTree>
     <p:extLst>
       <p:ext uri="{BB962C8B-B14F-4D97-AF65-F5344CB8AC3E}">
@@ -4998,7 +5525,7 @@
 </p:sld>
 </file>
 
-<file path=ppt/slides/slide7.xml><?xml version="1.0" encoding="utf-8"?>
+<file path=ppt/slides/slide8.xml><?xml version="1.0" encoding="utf-8"?>
 <p:sld xmlns:a="http://schemas.openxmlformats.org/drawingml/2006/main" xmlns:r="http://schemas.openxmlformats.org/officeDocument/2006/relationships" xmlns:p="http://schemas.openxmlformats.org/presentationml/2006/main">
   <p:cSld>
     <p:bg>

--- a/졸프 초안.pptx
+++ b/졸프 초안.pptx
@@ -5512,6 +5512,95 @@
           <a:chExt cx="0" cy="0"/>
         </a:xfrm>
       </p:grpSpPr>
+      <p:pic>
+        <p:nvPicPr>
+          <p:cNvPr id="5" name="그림 4"/>
+          <p:cNvPicPr>
+            <a:picLocks noChangeAspect="1"/>
+          </p:cNvPicPr>
+          <p:nvPr/>
+        </p:nvPicPr>
+        <p:blipFill>
+          <a:blip r:embed="rId2"/>
+          <a:stretch>
+            <a:fillRect/>
+          </a:stretch>
+        </p:blipFill>
+        <p:spPr>
+          <a:xfrm>
+            <a:off x="1845425" y="1247606"/>
+            <a:ext cx="6967537" cy="4784229"/>
+          </a:xfrm>
+          <a:prstGeom prst="rect">
+            <a:avLst/>
+          </a:prstGeom>
+        </p:spPr>
+      </p:pic>
+      <p:sp>
+        <p:nvSpPr>
+          <p:cNvPr id="6" name="TextBox 5"/>
+          <p:cNvSpPr txBox="1"/>
+          <p:nvPr/>
+        </p:nvSpPr>
+        <p:spPr>
+          <a:xfrm>
+            <a:off x="8451724" y="210006"/>
+            <a:ext cx="4804229" cy="830997"/>
+          </a:xfrm>
+          <a:prstGeom prst="rect">
+            <a:avLst/>
+          </a:prstGeom>
+          <a:noFill/>
+        </p:spPr>
+        <p:txBody>
+          <a:bodyPr wrap="square" rtlCol="0">
+            <a:spAutoFit/>
+          </a:bodyPr>
+          <a:lstStyle/>
+          <a:p>
+            <a:r>
+              <a:rPr lang="ko-KR" altLang="en-US" sz="4800" smtClean="0"/>
+              <a:t>일정 계획</a:t>
+            </a:r>
+            <a:endParaRPr lang="ko-KR" altLang="en-US" sz="4800" dirty="0"/>
+          </a:p>
+        </p:txBody>
+      </p:sp>
+      <p:cxnSp>
+        <p:nvCxnSpPr>
+          <p:cNvPr id="7" name="직선 연결선 6"/>
+          <p:cNvCxnSpPr/>
+          <p:nvPr/>
+        </p:nvCxnSpPr>
+        <p:spPr>
+          <a:xfrm>
+            <a:off x="8542116" y="1041003"/>
+            <a:ext cx="2749998" cy="0"/>
+          </a:xfrm>
+          <a:prstGeom prst="line">
+            <a:avLst/>
+          </a:prstGeom>
+          <a:ln w="82550">
+            <a:solidFill>
+              <a:srgbClr val="353537"/>
+            </a:solidFill>
+          </a:ln>
+        </p:spPr>
+        <p:style>
+          <a:lnRef idx="1">
+            <a:schemeClr val="dk1"/>
+          </a:lnRef>
+          <a:fillRef idx="0">
+            <a:schemeClr val="dk1"/>
+          </a:fillRef>
+          <a:effectRef idx="0">
+            <a:schemeClr val="dk1"/>
+          </a:effectRef>
+          <a:fontRef idx="minor">
+            <a:schemeClr val="tx1"/>
+          </a:fontRef>
+        </p:style>
+      </p:cxnSp>
     </p:spTree>
     <p:extLst>
       <p:ext uri="{BB962C8B-B14F-4D97-AF65-F5344CB8AC3E}">

--- a/졸프 초안.pptx
+++ b/졸프 초안.pptx
@@ -287,7 +287,7 @@
           <a:p>
             <a:fld id="{D9C46A29-2F6F-4AC9-907C-DCE81242E8C9}" type="datetimeFigureOut">
               <a:rPr lang="ko-KR" altLang="en-US" smtClean="0"/>
-              <a:t>2018-09-28</a:t>
+              <a:t>2018-10-05</a:t>
             </a:fld>
             <a:endParaRPr lang="ko-KR" altLang="en-US"/>
           </a:p>
@@ -515,7 +515,7 @@
           <a:p>
             <a:fld id="{D9C46A29-2F6F-4AC9-907C-DCE81242E8C9}" type="datetimeFigureOut">
               <a:rPr lang="ko-KR" altLang="en-US" smtClean="0"/>
-              <a:t>2018-09-28</a:t>
+              <a:t>2018-10-05</a:t>
             </a:fld>
             <a:endParaRPr lang="ko-KR" altLang="en-US"/>
           </a:p>
@@ -695,7 +695,7 @@
           <a:p>
             <a:fld id="{D9C46A29-2F6F-4AC9-907C-DCE81242E8C9}" type="datetimeFigureOut">
               <a:rPr lang="ko-KR" altLang="en-US" smtClean="0"/>
-              <a:t>2018-09-28</a:t>
+              <a:t>2018-10-05</a:t>
             </a:fld>
             <a:endParaRPr lang="ko-KR" altLang="en-US"/>
           </a:p>
@@ -865,7 +865,7 @@
           <a:p>
             <a:fld id="{D9C46A29-2F6F-4AC9-907C-DCE81242E8C9}" type="datetimeFigureOut">
               <a:rPr lang="ko-KR" altLang="en-US" smtClean="0"/>
-              <a:t>2018-09-28</a:t>
+              <a:t>2018-10-05</a:t>
             </a:fld>
             <a:endParaRPr lang="ko-KR" altLang="en-US"/>
           </a:p>
@@ -1119,7 +1119,7 @@
           <a:p>
             <a:fld id="{D9C46A29-2F6F-4AC9-907C-DCE81242E8C9}" type="datetimeFigureOut">
               <a:rPr lang="ko-KR" altLang="en-US" smtClean="0"/>
-              <a:t>2018-09-28</a:t>
+              <a:t>2018-10-05</a:t>
             </a:fld>
             <a:endParaRPr lang="ko-KR" altLang="en-US"/>
           </a:p>
@@ -1445,7 +1445,7 @@
           <a:p>
             <a:fld id="{D9C46A29-2F6F-4AC9-907C-DCE81242E8C9}" type="datetimeFigureOut">
               <a:rPr lang="ko-KR" altLang="en-US" smtClean="0"/>
-              <a:t>2018-09-28</a:t>
+              <a:t>2018-10-05</a:t>
             </a:fld>
             <a:endParaRPr lang="ko-KR" altLang="en-US"/>
           </a:p>
@@ -1896,7 +1896,7 @@
           <a:p>
             <a:fld id="{D9C46A29-2F6F-4AC9-907C-DCE81242E8C9}" type="datetimeFigureOut">
               <a:rPr lang="ko-KR" altLang="en-US" smtClean="0"/>
-              <a:t>2018-09-28</a:t>
+              <a:t>2018-10-05</a:t>
             </a:fld>
             <a:endParaRPr lang="ko-KR" altLang="en-US"/>
           </a:p>
@@ -2014,7 +2014,7 @@
           <a:p>
             <a:fld id="{D9C46A29-2F6F-4AC9-907C-DCE81242E8C9}" type="datetimeFigureOut">
               <a:rPr lang="ko-KR" altLang="en-US" smtClean="0"/>
-              <a:t>2018-09-28</a:t>
+              <a:t>2018-10-05</a:t>
             </a:fld>
             <a:endParaRPr lang="ko-KR" altLang="en-US"/>
           </a:p>
@@ -2109,7 +2109,7 @@
           <a:p>
             <a:fld id="{D9C46A29-2F6F-4AC9-907C-DCE81242E8C9}" type="datetimeFigureOut">
               <a:rPr lang="ko-KR" altLang="en-US" smtClean="0"/>
-              <a:t>2018-09-28</a:t>
+              <a:t>2018-10-05</a:t>
             </a:fld>
             <a:endParaRPr lang="ko-KR" altLang="en-US"/>
           </a:p>
@@ -2396,7 +2396,7 @@
           <a:p>
             <a:fld id="{D9C46A29-2F6F-4AC9-907C-DCE81242E8C9}" type="datetimeFigureOut">
               <a:rPr lang="ko-KR" altLang="en-US" smtClean="0"/>
-              <a:t>2018-09-28</a:t>
+              <a:t>2018-10-05</a:t>
             </a:fld>
             <a:endParaRPr lang="ko-KR" altLang="en-US"/>
           </a:p>
@@ -2721,7 +2721,7 @@
           <a:p>
             <a:fld id="{D9C46A29-2F6F-4AC9-907C-DCE81242E8C9}" type="datetimeFigureOut">
               <a:rPr lang="ko-KR" altLang="en-US" smtClean="0"/>
-              <a:t>2018-09-28</a:t>
+              <a:t>2018-10-05</a:t>
             </a:fld>
             <a:endParaRPr lang="ko-KR" altLang="en-US"/>
           </a:p>
@@ -2975,7 +2975,7 @@
           <a:p>
             <a:fld id="{D9C46A29-2F6F-4AC9-907C-DCE81242E8C9}" type="datetimeFigureOut">
               <a:rPr lang="ko-KR" altLang="en-US" smtClean="0"/>
-              <a:t>2018-09-28</a:t>
+              <a:t>2018-10-05</a:t>
             </a:fld>
             <a:endParaRPr lang="ko-KR" altLang="en-US"/>
           </a:p>
@@ -3767,7 +3767,7 @@
         </p:nvSpPr>
         <p:spPr>
           <a:xfrm>
-            <a:off x="217714" y="1604356"/>
+            <a:off x="217714" y="4152822"/>
             <a:ext cx="10008523" cy="2341025"/>
           </a:xfrm>
           <a:prstGeom prst="rect">
@@ -3860,6 +3860,78 @@
           </a:fontRef>
         </p:style>
       </p:cxnSp>
+      <p:pic>
+        <p:nvPicPr>
+          <p:cNvPr id="2" name="그림 1"/>
+          <p:cNvPicPr>
+            <a:picLocks noChangeAspect="1"/>
+          </p:cNvPicPr>
+          <p:nvPr/>
+        </p:nvPicPr>
+        <p:blipFill>
+          <a:blip r:embed="rId2"/>
+          <a:stretch>
+            <a:fillRect/>
+          </a:stretch>
+        </p:blipFill>
+        <p:spPr>
+          <a:xfrm>
+            <a:off x="5583631" y="1135664"/>
+            <a:ext cx="4642606" cy="2323024"/>
+          </a:xfrm>
+          <a:prstGeom prst="rect">
+            <a:avLst/>
+          </a:prstGeom>
+        </p:spPr>
+      </p:pic>
+      <p:pic>
+        <p:nvPicPr>
+          <p:cNvPr id="7" name="그림 6"/>
+          <p:cNvPicPr>
+            <a:picLocks noChangeAspect="1"/>
+          </p:cNvPicPr>
+          <p:nvPr/>
+        </p:nvPicPr>
+        <p:blipFill>
+          <a:blip r:embed="rId3"/>
+          <a:stretch>
+            <a:fillRect/>
+          </a:stretch>
+        </p:blipFill>
+        <p:spPr>
+          <a:xfrm>
+            <a:off x="451904" y="1135664"/>
+            <a:ext cx="4264408" cy="2323024"/>
+          </a:xfrm>
+          <a:prstGeom prst="rect">
+            <a:avLst/>
+          </a:prstGeom>
+        </p:spPr>
+      </p:pic>
+      <p:pic>
+        <p:nvPicPr>
+          <p:cNvPr id="8" name="그림 7"/>
+          <p:cNvPicPr>
+            <a:picLocks noChangeAspect="1"/>
+          </p:cNvPicPr>
+          <p:nvPr/>
+        </p:nvPicPr>
+        <p:blipFill>
+          <a:blip r:embed="rId4"/>
+          <a:stretch>
+            <a:fillRect/>
+          </a:stretch>
+        </p:blipFill>
+        <p:spPr>
+          <a:xfrm>
+            <a:off x="7967133" y="2831714"/>
+            <a:ext cx="1878352" cy="1253948"/>
+          </a:xfrm>
+          <a:prstGeom prst="rect">
+            <a:avLst/>
+          </a:prstGeom>
+        </p:spPr>
+      </p:pic>
     </p:spTree>
     <p:extLst>
       <p:ext uri="{BB962C8B-B14F-4D97-AF65-F5344CB8AC3E}">
@@ -3870,6 +3942,89 @@
   <p:clrMapOvr>
     <a:masterClrMapping/>
   </p:clrMapOvr>
+  <p:timing>
+    <p:tnLst>
+      <p:par>
+        <p:cTn id="1" dur="indefinite" restart="never" nodeType="tmRoot">
+          <p:childTnLst>
+            <p:seq concurrent="1" nextAc="seek">
+              <p:cTn id="2" dur="indefinite" nodeType="mainSeq">
+                <p:childTnLst>
+                  <p:par>
+                    <p:cTn id="3" fill="hold">
+                      <p:stCondLst>
+                        <p:cond delay="indefinite"/>
+                      </p:stCondLst>
+                      <p:childTnLst>
+                        <p:par>
+                          <p:cTn id="4" fill="hold">
+                            <p:stCondLst>
+                              <p:cond delay="0"/>
+                            </p:stCondLst>
+                            <p:childTnLst>
+                              <p:par>
+                                <p:cTn id="5" presetID="10" presetClass="entr" presetSubtype="0" fill="hold" nodeType="clickEffect">
+                                  <p:stCondLst>
+                                    <p:cond delay="0"/>
+                                  </p:stCondLst>
+                                  <p:childTnLst>
+                                    <p:set>
+                                      <p:cBhvr>
+                                        <p:cTn id="6" dur="1" fill="hold">
+                                          <p:stCondLst>
+                                            <p:cond delay="0"/>
+                                          </p:stCondLst>
+                                        </p:cTn>
+                                        <p:tgtEl>
+                                          <p:spTgt spid="8"/>
+                                        </p:tgtEl>
+                                        <p:attrNameLst>
+                                          <p:attrName>style.visibility</p:attrName>
+                                        </p:attrNameLst>
+                                      </p:cBhvr>
+                                      <p:to>
+                                        <p:strVal val="visible"/>
+                                      </p:to>
+                                    </p:set>
+                                    <p:animEffect transition="in" filter="fade">
+                                      <p:cBhvr>
+                                        <p:cTn id="7" dur="500"/>
+                                        <p:tgtEl>
+                                          <p:spTgt spid="8"/>
+                                        </p:tgtEl>
+                                      </p:cBhvr>
+                                    </p:animEffect>
+                                  </p:childTnLst>
+                                </p:cTn>
+                              </p:par>
+                            </p:childTnLst>
+                          </p:cTn>
+                        </p:par>
+                      </p:childTnLst>
+                    </p:cTn>
+                  </p:par>
+                </p:childTnLst>
+              </p:cTn>
+              <p:prevCondLst>
+                <p:cond evt="onPrev" delay="0">
+                  <p:tgtEl>
+                    <p:sldTgt/>
+                  </p:tgtEl>
+                </p:cond>
+              </p:prevCondLst>
+              <p:nextCondLst>
+                <p:cond evt="onNext" delay="0">
+                  <p:tgtEl>
+                    <p:sldTgt/>
+                  </p:tgtEl>
+                </p:cond>
+              </p:nextCondLst>
+            </p:seq>
+          </p:childTnLst>
+        </p:cTn>
+      </p:par>
+    </p:tnLst>
+  </p:timing>
 </p:sld>
 </file>
 
@@ -4410,6 +4565,13 @@
   <p:clrMapOvr>
     <a:masterClrMapping/>
   </p:clrMapOvr>
+  <p:timing>
+    <p:tnLst>
+      <p:par>
+        <p:cTn id="1" dur="indefinite" restart="never" nodeType="tmRoot"/>
+      </p:par>
+    </p:tnLst>
+  </p:timing>
 </p:sld>
 </file>
 
